--- a/materials/8_FYP_storybook_structural_formal_girlsYellow.pptx
+++ b/materials/8_FYP_storybook_structural_formal_girlsYellow.pptx
@@ -223,7 +223,7 @@
           <a:p>
             <a:fld id="{C20298E2-FE9A-409F-B00F-0D4EA8F2524F}" type="datetimeFigureOut">
               <a:rPr lang="en-US" smtClean="0"/>
-              <a:t>3/16/2019</a:t>
+              <a:t>4/20/2019</a:t>
             </a:fld>
             <a:endParaRPr lang="en-US" dirty="0"/>
           </a:p>
@@ -4212,7 +4212,7 @@
           <a:p>
             <a:fld id="{88180E31-E34E-4BE1-9902-AF8A764DB06C}" type="datetimeFigureOut">
               <a:rPr lang="en-US" smtClean="0"/>
-              <a:t>3/16/2019</a:t>
+              <a:t>4/20/2019</a:t>
             </a:fld>
             <a:endParaRPr lang="en-US" dirty="0"/>
           </a:p>
@@ -4380,7 +4380,7 @@
           <a:p>
             <a:fld id="{88180E31-E34E-4BE1-9902-AF8A764DB06C}" type="datetimeFigureOut">
               <a:rPr lang="en-US" smtClean="0"/>
-              <a:t>3/16/2019</a:t>
+              <a:t>4/20/2019</a:t>
             </a:fld>
             <a:endParaRPr lang="en-US" dirty="0"/>
           </a:p>
@@ -4558,7 +4558,7 @@
           <a:p>
             <a:fld id="{88180E31-E34E-4BE1-9902-AF8A764DB06C}" type="datetimeFigureOut">
               <a:rPr lang="en-US" smtClean="0"/>
-              <a:t>3/16/2019</a:t>
+              <a:t>4/20/2019</a:t>
             </a:fld>
             <a:endParaRPr lang="en-US" dirty="0"/>
           </a:p>
@@ -4726,7 +4726,7 @@
           <a:p>
             <a:fld id="{88180E31-E34E-4BE1-9902-AF8A764DB06C}" type="datetimeFigureOut">
               <a:rPr lang="en-US" smtClean="0"/>
-              <a:t>3/16/2019</a:t>
+              <a:t>4/20/2019</a:t>
             </a:fld>
             <a:endParaRPr lang="en-US" dirty="0"/>
           </a:p>
@@ -4971,7 +4971,7 @@
           <a:p>
             <a:fld id="{88180E31-E34E-4BE1-9902-AF8A764DB06C}" type="datetimeFigureOut">
               <a:rPr lang="en-US" smtClean="0"/>
-              <a:t>3/16/2019</a:t>
+              <a:t>4/20/2019</a:t>
             </a:fld>
             <a:endParaRPr lang="en-US" dirty="0"/>
           </a:p>
@@ -5200,7 +5200,7 @@
           <a:p>
             <a:fld id="{88180E31-E34E-4BE1-9902-AF8A764DB06C}" type="datetimeFigureOut">
               <a:rPr lang="en-US" smtClean="0"/>
-              <a:t>3/16/2019</a:t>
+              <a:t>4/20/2019</a:t>
             </a:fld>
             <a:endParaRPr lang="en-US" dirty="0"/>
           </a:p>
@@ -5564,7 +5564,7 @@
           <a:p>
             <a:fld id="{88180E31-E34E-4BE1-9902-AF8A764DB06C}" type="datetimeFigureOut">
               <a:rPr lang="en-US" smtClean="0"/>
-              <a:t>3/16/2019</a:t>
+              <a:t>4/20/2019</a:t>
             </a:fld>
             <a:endParaRPr lang="en-US" dirty="0"/>
           </a:p>
@@ -5681,7 +5681,7 @@
           <a:p>
             <a:fld id="{88180E31-E34E-4BE1-9902-AF8A764DB06C}" type="datetimeFigureOut">
               <a:rPr lang="en-US" smtClean="0"/>
-              <a:t>3/16/2019</a:t>
+              <a:t>4/20/2019</a:t>
             </a:fld>
             <a:endParaRPr lang="en-US" dirty="0"/>
           </a:p>
@@ -5776,7 +5776,7 @@
           <a:p>
             <a:fld id="{88180E31-E34E-4BE1-9902-AF8A764DB06C}" type="datetimeFigureOut">
               <a:rPr lang="en-US" smtClean="0"/>
-              <a:t>3/16/2019</a:t>
+              <a:t>4/20/2019</a:t>
             </a:fld>
             <a:endParaRPr lang="en-US" dirty="0"/>
           </a:p>
@@ -6051,7 +6051,7 @@
           <a:p>
             <a:fld id="{88180E31-E34E-4BE1-9902-AF8A764DB06C}" type="datetimeFigureOut">
               <a:rPr lang="en-US" smtClean="0"/>
-              <a:t>3/16/2019</a:t>
+              <a:t>4/20/2019</a:t>
             </a:fld>
             <a:endParaRPr lang="en-US" dirty="0"/>
           </a:p>
@@ -6303,7 +6303,7 @@
           <a:p>
             <a:fld id="{88180E31-E34E-4BE1-9902-AF8A764DB06C}" type="datetimeFigureOut">
               <a:rPr lang="en-US" smtClean="0"/>
-              <a:t>3/16/2019</a:t>
+              <a:t>4/20/2019</a:t>
             </a:fld>
             <a:endParaRPr lang="en-US" dirty="0"/>
           </a:p>
@@ -6514,7 +6514,7 @@
           <a:p>
             <a:fld id="{88180E31-E34E-4BE1-9902-AF8A764DB06C}" type="datetimeFigureOut">
               <a:rPr lang="en-US" smtClean="0"/>
-              <a:t>3/16/2019</a:t>
+              <a:t>4/20/2019</a:t>
             </a:fld>
             <a:endParaRPr lang="en-US" dirty="0"/>
           </a:p>
@@ -6982,8 +6982,8 @@
         </p:nvSpPr>
         <p:spPr>
           <a:xfrm>
-            <a:off x="4826260" y="4084092"/>
-            <a:ext cx="2539477" cy="2123658"/>
+            <a:off x="3555079" y="4084092"/>
+            <a:ext cx="5081840" cy="2123658"/>
           </a:xfrm>
           <a:prstGeom prst="rect">
             <a:avLst/>
@@ -7002,14 +7002,14 @@
                 <a:latin typeface="Helvetica" panose="020B0604020202020204" pitchFamily="34" charset="0"/>
                 <a:cs typeface="Helvetica" panose="020B0604020202020204" pitchFamily="34" charset="0"/>
               </a:rPr>
-              <a:t>5-6 </a:t>
-            </a:r>
-            <a:r>
-              <a:rPr lang="en-US" sz="6600" dirty="0" err="1">
+              <a:t>5-6 year </a:t>
+            </a:r>
+            <a:r>
+              <a:rPr lang="en-US" sz="6600">
                 <a:latin typeface="Helvetica" panose="020B0604020202020204" pitchFamily="34" charset="0"/>
                 <a:cs typeface="Helvetica" panose="020B0604020202020204" pitchFamily="34" charset="0"/>
               </a:rPr>
-              <a:t>yo</a:t>
+              <a:t>olds</a:t>
             </a:r>
             <a:endParaRPr lang="en-US" sz="6600" dirty="0">
               <a:latin typeface="Helvetica" panose="020B0604020202020204" pitchFamily="34" charset="0"/>
